--- a/DS3/QUEBRANTADO.pptx
+++ b/DS3/QUEBRANTADO.pptx
@@ -19,6 +19,8 @@
     <p:sldId id="264" r:id="rId13"/>
     <p:sldId id="268" r:id="rId14"/>
     <p:sldId id="269" r:id="rId15"/>
+    <p:sldId id="270" r:id="rId16"/>
+    <p:sldId id="271" r:id="rId17"/>
   </p:sldIdLst>
   <p:sldSz cx="12601575" cy="6858000"/>
   <p:notesSz cx="6858000" cy="9144000"/>
@@ -315,7 +317,7 @@
           <a:p>
             <a:fld id="{69CD1327-A313-4516-AA4C-4A570FBEED76}" type="datetimeFigureOut">
               <a:rPr lang="pt-BR" smtClean="0"/>
-              <a:t>20/10/2019</a:t>
+              <a:t>28/10/2023</a:t>
             </a:fld>
             <a:endParaRPr lang="pt-BR"/>
           </a:p>
@@ -483,7 +485,7 @@
           <a:p>
             <a:fld id="{69CD1327-A313-4516-AA4C-4A570FBEED76}" type="datetimeFigureOut">
               <a:rPr lang="pt-BR" smtClean="0"/>
-              <a:t>20/10/2019</a:t>
+              <a:t>28/10/2023</a:t>
             </a:fld>
             <a:endParaRPr lang="pt-BR"/>
           </a:p>
@@ -661,7 +663,7 @@
           <a:p>
             <a:fld id="{69CD1327-A313-4516-AA4C-4A570FBEED76}" type="datetimeFigureOut">
               <a:rPr lang="pt-BR" smtClean="0"/>
-              <a:t>20/10/2019</a:t>
+              <a:t>28/10/2023</a:t>
             </a:fld>
             <a:endParaRPr lang="pt-BR"/>
           </a:p>
@@ -829,7 +831,7 @@
           <a:p>
             <a:fld id="{69CD1327-A313-4516-AA4C-4A570FBEED76}" type="datetimeFigureOut">
               <a:rPr lang="pt-BR" smtClean="0"/>
-              <a:t>20/10/2019</a:t>
+              <a:t>28/10/2023</a:t>
             </a:fld>
             <a:endParaRPr lang="pt-BR"/>
           </a:p>
@@ -1074,7 +1076,7 @@
           <a:p>
             <a:fld id="{69CD1327-A313-4516-AA4C-4A570FBEED76}" type="datetimeFigureOut">
               <a:rPr lang="pt-BR" smtClean="0"/>
-              <a:t>20/10/2019</a:t>
+              <a:t>28/10/2023</a:t>
             </a:fld>
             <a:endParaRPr lang="pt-BR"/>
           </a:p>
@@ -1359,7 +1361,7 @@
           <a:p>
             <a:fld id="{69CD1327-A313-4516-AA4C-4A570FBEED76}" type="datetimeFigureOut">
               <a:rPr lang="pt-BR" smtClean="0"/>
-              <a:t>20/10/2019</a:t>
+              <a:t>28/10/2023</a:t>
             </a:fld>
             <a:endParaRPr lang="pt-BR"/>
           </a:p>
@@ -1783,7 +1785,7 @@
           <a:p>
             <a:fld id="{69CD1327-A313-4516-AA4C-4A570FBEED76}" type="datetimeFigureOut">
               <a:rPr lang="pt-BR" smtClean="0"/>
-              <a:t>20/10/2019</a:t>
+              <a:t>28/10/2023</a:t>
             </a:fld>
             <a:endParaRPr lang="pt-BR"/>
           </a:p>
@@ -1900,7 +1902,7 @@
           <a:p>
             <a:fld id="{69CD1327-A313-4516-AA4C-4A570FBEED76}" type="datetimeFigureOut">
               <a:rPr lang="pt-BR" smtClean="0"/>
-              <a:t>20/10/2019</a:t>
+              <a:t>28/10/2023</a:t>
             </a:fld>
             <a:endParaRPr lang="pt-BR"/>
           </a:p>
@@ -1995,7 +1997,7 @@
           <a:p>
             <a:fld id="{69CD1327-A313-4516-AA4C-4A570FBEED76}" type="datetimeFigureOut">
               <a:rPr lang="pt-BR" smtClean="0"/>
-              <a:t>20/10/2019</a:t>
+              <a:t>28/10/2023</a:t>
             </a:fld>
             <a:endParaRPr lang="pt-BR"/>
           </a:p>
@@ -2270,7 +2272,7 @@
           <a:p>
             <a:fld id="{69CD1327-A313-4516-AA4C-4A570FBEED76}" type="datetimeFigureOut">
               <a:rPr lang="pt-BR" smtClean="0"/>
-              <a:t>20/10/2019</a:t>
+              <a:t>28/10/2023</a:t>
             </a:fld>
             <a:endParaRPr lang="pt-BR"/>
           </a:p>
@@ -2522,7 +2524,7 @@
           <a:p>
             <a:fld id="{69CD1327-A313-4516-AA4C-4A570FBEED76}" type="datetimeFigureOut">
               <a:rPr lang="pt-BR" smtClean="0"/>
-              <a:t>20/10/2019</a:t>
+              <a:t>28/10/2023</a:t>
             </a:fld>
             <a:endParaRPr lang="pt-BR"/>
           </a:p>
@@ -2733,7 +2735,7 @@
           <a:p>
             <a:fld id="{69CD1327-A313-4516-AA4C-4A570FBEED76}" type="datetimeFigureOut">
               <a:rPr lang="pt-BR" smtClean="0"/>
-              <a:t>20/10/2019</a:t>
+              <a:t>28/10/2023</a:t>
             </a:fld>
             <a:endParaRPr lang="pt-BR"/>
           </a:p>
@@ -3623,6 +3625,180 @@
 </p:sld>
 </file>
 
+<file path=ppt/slides/slide15.xml><?xml version="1.0" encoding="utf-8"?>
+<p:sld xmlns:a="http://schemas.openxmlformats.org/drawingml/2006/main" xmlns:r="http://schemas.openxmlformats.org/officeDocument/2006/relationships" xmlns:p="http://schemas.openxmlformats.org/presentationml/2006/main">
+  <p:cSld>
+    <p:bg>
+      <p:bgPr>
+        <a:blipFill dpi="0" rotWithShape="1">
+          <a:blip r:embed="rId2">
+            <a:lum/>
+          </a:blip>
+          <a:srcRect/>
+          <a:stretch>
+            <a:fillRect t="-2000" b="-2000"/>
+          </a:stretch>
+        </a:blipFill>
+        <a:effectLst/>
+      </p:bgPr>
+    </p:bg>
+    <p:spTree>
+      <p:nvGrpSpPr>
+        <p:cNvPr id="1" name=""/>
+        <p:cNvGrpSpPr/>
+        <p:nvPr/>
+      </p:nvGrpSpPr>
+      <p:grpSpPr>
+        <a:xfrm>
+          <a:off x="0" y="0"/>
+          <a:ext cx="0" cy="0"/>
+          <a:chOff x="0" y="0"/>
+          <a:chExt cx="0" cy="0"/>
+        </a:xfrm>
+      </p:grpSpPr>
+      <p:sp>
+        <p:nvSpPr>
+          <p:cNvPr id="4" name="CaixaDeTexto 3"/>
+          <p:cNvSpPr txBox="1"/>
+          <p:nvPr/>
+        </p:nvSpPr>
+        <p:spPr>
+          <a:xfrm>
+            <a:off x="0" y="836712"/>
+            <a:ext cx="12601575" cy="5509200"/>
+          </a:xfrm>
+          <a:prstGeom prst="rect">
+            <a:avLst/>
+          </a:prstGeom>
+          <a:noFill/>
+        </p:spPr>
+        <p:txBody>
+          <a:bodyPr wrap="square" rtlCol="0">
+            <a:spAutoFit/>
+          </a:bodyPr>
+          <a:lstStyle/>
+          <a:p>
+            <a:pPr algn="ctr"/>
+            <a:r>
+              <a:rPr lang="pt-BR" sz="8800" b="1" dirty="0">
+                <a:latin typeface="Arial Black" panose="020B0A04020102020204" pitchFamily="34" charset="0"/>
+                <a:cs typeface="Aharoni" pitchFamily="2" charset="-79"/>
+              </a:rPr>
+              <a:t>PELA CRUZ</a:t>
+            </a:r>
+          </a:p>
+          <a:p>
+            <a:pPr algn="ctr"/>
+            <a:r>
+              <a:rPr lang="pt-BR" sz="8800" b="1" dirty="0">
+                <a:latin typeface="Arial Black" panose="020B0A04020102020204" pitchFamily="34" charset="0"/>
+                <a:cs typeface="Aharoni" pitchFamily="2" charset="-79"/>
+              </a:rPr>
+              <a:t> ME CHAMOU GENTILMENTE ME ATRAIU E EU </a:t>
+            </a:r>
+          </a:p>
+        </p:txBody>
+      </p:sp>
+    </p:spTree>
+    <p:extLst>
+      <p:ext uri="{BB962C8B-B14F-4D97-AF65-F5344CB8AC3E}">
+        <p14:creationId xmlns:p14="http://schemas.microsoft.com/office/powerpoint/2010/main" val="3093311322"/>
+      </p:ext>
+    </p:extLst>
+  </p:cSld>
+  <p:clrMapOvr>
+    <a:masterClrMapping/>
+  </p:clrMapOvr>
+</p:sld>
+</file>
+
+<file path=ppt/slides/slide16.xml><?xml version="1.0" encoding="utf-8"?>
+<p:sld xmlns:a="http://schemas.openxmlformats.org/drawingml/2006/main" xmlns:r="http://schemas.openxmlformats.org/officeDocument/2006/relationships" xmlns:p="http://schemas.openxmlformats.org/presentationml/2006/main">
+  <p:cSld>
+    <p:bg>
+      <p:bgPr>
+        <a:blipFill dpi="0" rotWithShape="1">
+          <a:blip r:embed="rId2">
+            <a:lum/>
+          </a:blip>
+          <a:srcRect/>
+          <a:stretch>
+            <a:fillRect t="-2000" b="-2000"/>
+          </a:stretch>
+        </a:blipFill>
+        <a:effectLst/>
+      </p:bgPr>
+    </p:bg>
+    <p:spTree>
+      <p:nvGrpSpPr>
+        <p:cNvPr id="1" name=""/>
+        <p:cNvGrpSpPr/>
+        <p:nvPr/>
+      </p:nvGrpSpPr>
+      <p:grpSpPr>
+        <a:xfrm>
+          <a:off x="0" y="0"/>
+          <a:ext cx="0" cy="0"/>
+          <a:chOff x="0" y="0"/>
+          <a:chExt cx="0" cy="0"/>
+        </a:xfrm>
+      </p:grpSpPr>
+      <p:sp>
+        <p:nvSpPr>
+          <p:cNvPr id="4" name="CaixaDeTexto 3"/>
+          <p:cNvSpPr txBox="1"/>
+          <p:nvPr/>
+        </p:nvSpPr>
+        <p:spPr>
+          <a:xfrm>
+            <a:off x="0" y="908720"/>
+            <a:ext cx="12601575" cy="5509200"/>
+          </a:xfrm>
+          <a:prstGeom prst="rect">
+            <a:avLst/>
+          </a:prstGeom>
+          <a:noFill/>
+        </p:spPr>
+        <p:txBody>
+          <a:bodyPr wrap="square" rtlCol="0">
+            <a:spAutoFit/>
+          </a:bodyPr>
+          <a:lstStyle/>
+          <a:p>
+            <a:pPr algn="ctr"/>
+            <a:r>
+              <a:rPr lang="pt-BR" sz="8800" b="1" dirty="0">
+                <a:latin typeface="Arial Black" panose="020B0A04020102020204" pitchFamily="34" charset="0"/>
+                <a:cs typeface="Aharoni" pitchFamily="2" charset="-79"/>
+              </a:rPr>
+              <a:t>SEM PALAVRAS</a:t>
+            </a:r>
+          </a:p>
+          <a:p>
+            <a:pPr algn="ctr"/>
+            <a:r>
+              <a:rPr lang="pt-BR" sz="8800" b="1" dirty="0">
+                <a:latin typeface="Arial Black" panose="020B0A04020102020204" pitchFamily="34" charset="0"/>
+                <a:cs typeface="Aharoni" pitchFamily="2" charset="-79"/>
+              </a:rPr>
+              <a:t> ME APROXIMO QUEBRANTADO POR SEU AMOR</a:t>
+            </a:r>
+          </a:p>
+        </p:txBody>
+      </p:sp>
+    </p:spTree>
+    <p:extLst>
+      <p:ext uri="{BB962C8B-B14F-4D97-AF65-F5344CB8AC3E}">
+        <p14:creationId xmlns:p14="http://schemas.microsoft.com/office/powerpoint/2010/main" val="2465046051"/>
+      </p:ext>
+    </p:extLst>
+  </p:cSld>
+  <p:clrMapOvr>
+    <a:masterClrMapping/>
+  </p:clrMapOvr>
+</p:sld>
+</file>
+
 <file path=ppt/slides/slide2.xml><?xml version="1.0" encoding="utf-8"?>
 <p:sld xmlns:a="http://schemas.openxmlformats.org/drawingml/2006/main" xmlns:r="http://schemas.openxmlformats.org/officeDocument/2006/relationships" xmlns:p="http://schemas.openxmlformats.org/presentationml/2006/main">
   <p:cSld>
